--- a/presentation.pptx
+++ b/presentation.pptx
@@ -4,14 +4,22 @@
   <p:sldMasterIdLst>
     <p:sldMasterId id="2147483648" r:id="rId1"/>
   </p:sldMasterIdLst>
+  <p:notesMasterIdLst>
+    <p:notesMasterId r:id="rId14"/>
+  </p:notesMasterIdLst>
   <p:sldIdLst>
     <p:sldId id="256" r:id="rId2"/>
     <p:sldId id="257" r:id="rId3"/>
     <p:sldId id="258" r:id="rId4"/>
     <p:sldId id="261" r:id="rId5"/>
-    <p:sldId id="259" r:id="rId6"/>
-    <p:sldId id="260" r:id="rId7"/>
-    <p:sldId id="262" r:id="rId8"/>
+    <p:sldId id="263" r:id="rId6"/>
+    <p:sldId id="264" r:id="rId7"/>
+    <p:sldId id="265" r:id="rId8"/>
+    <p:sldId id="266" r:id="rId9"/>
+    <p:sldId id="267" r:id="rId10"/>
+    <p:sldId id="259" r:id="rId11"/>
+    <p:sldId id="260" r:id="rId12"/>
+    <p:sldId id="262" r:id="rId13"/>
   </p:sldIdLst>
   <p:sldSz cx="12192000" cy="6858000"/>
   <p:notesSz cx="6858000" cy="9144000"/>
@@ -110,7 +118,445 @@
       </a:defRPr>
     </a:lvl9pPr>
   </p:defaultTextStyle>
+  <p:extLst>
+    <p:ext uri="{EFAFB233-063F-42B5-8137-9DF3F51BA10A}">
+      <p15:sldGuideLst xmlns:p15="http://schemas.microsoft.com/office/powerpoint/2012/main"/>
+    </p:ext>
+  </p:extLst>
 </p:presentation>
+</file>
+
+<file path=ppt/notesMasters/notesMaster1.xml><?xml version="1.0" encoding="utf-8"?>
+<p:notesMaster xmlns:a="http://schemas.openxmlformats.org/drawingml/2006/main" xmlns:r="http://schemas.openxmlformats.org/officeDocument/2006/relationships" xmlns:p="http://schemas.openxmlformats.org/presentationml/2006/main">
+  <p:cSld>
+    <p:bg>
+      <p:bgRef idx="1001">
+        <a:schemeClr val="bg1"/>
+      </p:bgRef>
+    </p:bg>
+    <p:spTree>
+      <p:nvGrpSpPr>
+        <p:cNvPr id="1" name=""/>
+        <p:cNvGrpSpPr/>
+        <p:nvPr/>
+      </p:nvGrpSpPr>
+      <p:grpSpPr>
+        <a:xfrm>
+          <a:off x="0" y="0"/>
+          <a:ext cx="0" cy="0"/>
+          <a:chOff x="0" y="0"/>
+          <a:chExt cx="0" cy="0"/>
+        </a:xfrm>
+      </p:grpSpPr>
+      <p:sp>
+        <p:nvSpPr>
+          <p:cNvPr id="2" name="Верхний колонтитул 1"/>
+          <p:cNvSpPr>
+            <a:spLocks noGrp="1"/>
+          </p:cNvSpPr>
+          <p:nvPr>
+            <p:ph type="hdr" sz="quarter"/>
+          </p:nvPr>
+        </p:nvSpPr>
+        <p:spPr>
+          <a:xfrm>
+            <a:off x="0" y="0"/>
+            <a:ext cx="2971800" cy="458788"/>
+          </a:xfrm>
+          <a:prstGeom prst="rect">
+            <a:avLst/>
+          </a:prstGeom>
+        </p:spPr>
+        <p:txBody>
+          <a:bodyPr vert="horz" lIns="91440" tIns="45720" rIns="91440" bIns="45720" rtlCol="0"/>
+          <a:lstStyle>
+            <a:lvl1pPr algn="l">
+              <a:defRPr sz="1200"/>
+            </a:lvl1pPr>
+          </a:lstStyle>
+          <a:p>
+            <a:endParaRPr lang="ru-RU"/>
+          </a:p>
+        </p:txBody>
+      </p:sp>
+      <p:sp>
+        <p:nvSpPr>
+          <p:cNvPr id="3" name="Дата 2"/>
+          <p:cNvSpPr>
+            <a:spLocks noGrp="1"/>
+          </p:cNvSpPr>
+          <p:nvPr>
+            <p:ph type="dt" idx="1"/>
+          </p:nvPr>
+        </p:nvSpPr>
+        <p:spPr>
+          <a:xfrm>
+            <a:off x="3884613" y="0"/>
+            <a:ext cx="2971800" cy="458788"/>
+          </a:xfrm>
+          <a:prstGeom prst="rect">
+            <a:avLst/>
+          </a:prstGeom>
+        </p:spPr>
+        <p:txBody>
+          <a:bodyPr vert="horz" lIns="91440" tIns="45720" rIns="91440" bIns="45720" rtlCol="0"/>
+          <a:lstStyle>
+            <a:lvl1pPr algn="r">
+              <a:defRPr sz="1200"/>
+            </a:lvl1pPr>
+          </a:lstStyle>
+          <a:p>
+            <a:fld id="{D9C9FAA6-1336-4EC9-8BD3-5113D4EAA384}" type="datetimeFigureOut">
+              <a:rPr lang="ru-RU" smtClean="0"/>
+              <a:t>12.11.2021</a:t>
+            </a:fld>
+            <a:endParaRPr lang="ru-RU"/>
+          </a:p>
+        </p:txBody>
+      </p:sp>
+      <p:sp>
+        <p:nvSpPr>
+          <p:cNvPr id="4" name="Образ слайда 3"/>
+          <p:cNvSpPr>
+            <a:spLocks noGrp="1" noRot="1" noChangeAspect="1"/>
+          </p:cNvSpPr>
+          <p:nvPr>
+            <p:ph type="sldImg" idx="2"/>
+          </p:nvPr>
+        </p:nvSpPr>
+        <p:spPr>
+          <a:xfrm>
+            <a:off x="685800" y="1143000"/>
+            <a:ext cx="5486400" cy="3086100"/>
+          </a:xfrm>
+          <a:prstGeom prst="rect">
+            <a:avLst/>
+          </a:prstGeom>
+          <a:noFill/>
+          <a:ln w="12700">
+            <a:solidFill>
+              <a:prstClr val="black"/>
+            </a:solidFill>
+          </a:ln>
+        </p:spPr>
+        <p:txBody>
+          <a:bodyPr vert="horz" lIns="91440" tIns="45720" rIns="91440" bIns="45720" rtlCol="0" anchor="ctr"/>
+          <a:lstStyle/>
+          <a:p>
+            <a:endParaRPr lang="ru-RU"/>
+          </a:p>
+        </p:txBody>
+      </p:sp>
+      <p:sp>
+        <p:nvSpPr>
+          <p:cNvPr id="5" name="Заметки 4"/>
+          <p:cNvSpPr>
+            <a:spLocks noGrp="1"/>
+          </p:cNvSpPr>
+          <p:nvPr>
+            <p:ph type="body" sz="quarter" idx="3"/>
+          </p:nvPr>
+        </p:nvSpPr>
+        <p:spPr>
+          <a:xfrm>
+            <a:off x="685800" y="4400550"/>
+            <a:ext cx="5486400" cy="3600450"/>
+          </a:xfrm>
+          <a:prstGeom prst="rect">
+            <a:avLst/>
+          </a:prstGeom>
+        </p:spPr>
+        <p:txBody>
+          <a:bodyPr vert="horz" lIns="91440" tIns="45720" rIns="91440" bIns="45720" rtlCol="0"/>
+          <a:lstStyle/>
+          <a:p>
+            <a:pPr lvl="0"/>
+            <a:r>
+              <a:rPr lang="ru-RU"/>
+              <a:t>Образец текста</a:t>
+            </a:r>
+          </a:p>
+          <a:p>
+            <a:pPr lvl="1"/>
+            <a:r>
+              <a:rPr lang="ru-RU"/>
+              <a:t>Второй уровень</a:t>
+            </a:r>
+          </a:p>
+          <a:p>
+            <a:pPr lvl="2"/>
+            <a:r>
+              <a:rPr lang="ru-RU"/>
+              <a:t>Третий уровень</a:t>
+            </a:r>
+          </a:p>
+          <a:p>
+            <a:pPr lvl="3"/>
+            <a:r>
+              <a:rPr lang="ru-RU"/>
+              <a:t>Четвертый уровень</a:t>
+            </a:r>
+          </a:p>
+          <a:p>
+            <a:pPr lvl="4"/>
+            <a:r>
+              <a:rPr lang="ru-RU"/>
+              <a:t>Пятый уровень</a:t>
+            </a:r>
+          </a:p>
+        </p:txBody>
+      </p:sp>
+      <p:sp>
+        <p:nvSpPr>
+          <p:cNvPr id="6" name="Нижний колонтитул 5"/>
+          <p:cNvSpPr>
+            <a:spLocks noGrp="1"/>
+          </p:cNvSpPr>
+          <p:nvPr>
+            <p:ph type="ftr" sz="quarter" idx="4"/>
+          </p:nvPr>
+        </p:nvSpPr>
+        <p:spPr>
+          <a:xfrm>
+            <a:off x="0" y="8685213"/>
+            <a:ext cx="2971800" cy="458787"/>
+          </a:xfrm>
+          <a:prstGeom prst="rect">
+            <a:avLst/>
+          </a:prstGeom>
+        </p:spPr>
+        <p:txBody>
+          <a:bodyPr vert="horz" lIns="91440" tIns="45720" rIns="91440" bIns="45720" rtlCol="0" anchor="b"/>
+          <a:lstStyle>
+            <a:lvl1pPr algn="l">
+              <a:defRPr sz="1200"/>
+            </a:lvl1pPr>
+          </a:lstStyle>
+          <a:p>
+            <a:endParaRPr lang="ru-RU"/>
+          </a:p>
+        </p:txBody>
+      </p:sp>
+      <p:sp>
+        <p:nvSpPr>
+          <p:cNvPr id="7" name="Номер слайда 6"/>
+          <p:cNvSpPr>
+            <a:spLocks noGrp="1"/>
+          </p:cNvSpPr>
+          <p:nvPr>
+            <p:ph type="sldNum" sz="quarter" idx="5"/>
+          </p:nvPr>
+        </p:nvSpPr>
+        <p:spPr>
+          <a:xfrm>
+            <a:off x="3884613" y="8685213"/>
+            <a:ext cx="2971800" cy="458787"/>
+          </a:xfrm>
+          <a:prstGeom prst="rect">
+            <a:avLst/>
+          </a:prstGeom>
+        </p:spPr>
+        <p:txBody>
+          <a:bodyPr vert="horz" lIns="91440" tIns="45720" rIns="91440" bIns="45720" rtlCol="0" anchor="b"/>
+          <a:lstStyle>
+            <a:lvl1pPr algn="r">
+              <a:defRPr sz="1200"/>
+            </a:lvl1pPr>
+          </a:lstStyle>
+          <a:p>
+            <a:fld id="{9ECDBB0A-208B-47C9-8F81-C27DAE2BC516}" type="slidenum">
+              <a:rPr lang="ru-RU" smtClean="0"/>
+              <a:t>‹#›</a:t>
+            </a:fld>
+            <a:endParaRPr lang="ru-RU"/>
+          </a:p>
+        </p:txBody>
+      </p:sp>
+    </p:spTree>
+    <p:extLst>
+      <p:ext uri="{BB962C8B-B14F-4D97-AF65-F5344CB8AC3E}">
+        <p14:creationId xmlns:p14="http://schemas.microsoft.com/office/powerpoint/2010/main" val="3048003104"/>
+      </p:ext>
+    </p:extLst>
+  </p:cSld>
+  <p:clrMap bg1="lt1" tx1="dk1" bg2="lt2" tx2="dk2" accent1="accent1" accent2="accent2" accent3="accent3" accent4="accent4" accent5="accent5" accent6="accent6" hlink="hlink" folHlink="folHlink"/>
+  <p:notesStyle>
+    <a:lvl1pPr marL="0" algn="l" defTabSz="914400" rtl="0" eaLnBrk="1" latinLnBrk="0" hangingPunct="1">
+      <a:defRPr sz="1200" kern="1200">
+        <a:solidFill>
+          <a:schemeClr val="tx1"/>
+        </a:solidFill>
+        <a:latin typeface="+mn-lt"/>
+        <a:ea typeface="+mn-ea"/>
+        <a:cs typeface="+mn-cs"/>
+      </a:defRPr>
+    </a:lvl1pPr>
+    <a:lvl2pPr marL="457200" algn="l" defTabSz="914400" rtl="0" eaLnBrk="1" latinLnBrk="0" hangingPunct="1">
+      <a:defRPr sz="1200" kern="1200">
+        <a:solidFill>
+          <a:schemeClr val="tx1"/>
+        </a:solidFill>
+        <a:latin typeface="+mn-lt"/>
+        <a:ea typeface="+mn-ea"/>
+        <a:cs typeface="+mn-cs"/>
+      </a:defRPr>
+    </a:lvl2pPr>
+    <a:lvl3pPr marL="914400" algn="l" defTabSz="914400" rtl="0" eaLnBrk="1" latinLnBrk="0" hangingPunct="1">
+      <a:defRPr sz="1200" kern="1200">
+        <a:solidFill>
+          <a:schemeClr val="tx1"/>
+        </a:solidFill>
+        <a:latin typeface="+mn-lt"/>
+        <a:ea typeface="+mn-ea"/>
+        <a:cs typeface="+mn-cs"/>
+      </a:defRPr>
+    </a:lvl3pPr>
+    <a:lvl4pPr marL="1371600" algn="l" defTabSz="914400" rtl="0" eaLnBrk="1" latinLnBrk="0" hangingPunct="1">
+      <a:defRPr sz="1200" kern="1200">
+        <a:solidFill>
+          <a:schemeClr val="tx1"/>
+        </a:solidFill>
+        <a:latin typeface="+mn-lt"/>
+        <a:ea typeface="+mn-ea"/>
+        <a:cs typeface="+mn-cs"/>
+      </a:defRPr>
+    </a:lvl4pPr>
+    <a:lvl5pPr marL="1828800" algn="l" defTabSz="914400" rtl="0" eaLnBrk="1" latinLnBrk="0" hangingPunct="1">
+      <a:defRPr sz="1200" kern="1200">
+        <a:solidFill>
+          <a:schemeClr val="tx1"/>
+        </a:solidFill>
+        <a:latin typeface="+mn-lt"/>
+        <a:ea typeface="+mn-ea"/>
+        <a:cs typeface="+mn-cs"/>
+      </a:defRPr>
+    </a:lvl5pPr>
+    <a:lvl6pPr marL="2286000" algn="l" defTabSz="914400" rtl="0" eaLnBrk="1" latinLnBrk="0" hangingPunct="1">
+      <a:defRPr sz="1200" kern="1200">
+        <a:solidFill>
+          <a:schemeClr val="tx1"/>
+        </a:solidFill>
+        <a:latin typeface="+mn-lt"/>
+        <a:ea typeface="+mn-ea"/>
+        <a:cs typeface="+mn-cs"/>
+      </a:defRPr>
+    </a:lvl6pPr>
+    <a:lvl7pPr marL="2743200" algn="l" defTabSz="914400" rtl="0" eaLnBrk="1" latinLnBrk="0" hangingPunct="1">
+      <a:defRPr sz="1200" kern="1200">
+        <a:solidFill>
+          <a:schemeClr val="tx1"/>
+        </a:solidFill>
+        <a:latin typeface="+mn-lt"/>
+        <a:ea typeface="+mn-ea"/>
+        <a:cs typeface="+mn-cs"/>
+      </a:defRPr>
+    </a:lvl7pPr>
+    <a:lvl8pPr marL="3200400" algn="l" defTabSz="914400" rtl="0" eaLnBrk="1" latinLnBrk="0" hangingPunct="1">
+      <a:defRPr sz="1200" kern="1200">
+        <a:solidFill>
+          <a:schemeClr val="tx1"/>
+        </a:solidFill>
+        <a:latin typeface="+mn-lt"/>
+        <a:ea typeface="+mn-ea"/>
+        <a:cs typeface="+mn-cs"/>
+      </a:defRPr>
+    </a:lvl8pPr>
+    <a:lvl9pPr marL="3657600" algn="l" defTabSz="914400" rtl="0" eaLnBrk="1" latinLnBrk="0" hangingPunct="1">
+      <a:defRPr sz="1200" kern="1200">
+        <a:solidFill>
+          <a:schemeClr val="tx1"/>
+        </a:solidFill>
+        <a:latin typeface="+mn-lt"/>
+        <a:ea typeface="+mn-ea"/>
+        <a:cs typeface="+mn-cs"/>
+      </a:defRPr>
+    </a:lvl9pPr>
+  </p:notesStyle>
+</p:notesMaster>
+</file>
+
+<file path=ppt/notesSlides/notesSlide1.xml><?xml version="1.0" encoding="utf-8"?>
+<p:notes xmlns:a="http://schemas.openxmlformats.org/drawingml/2006/main" xmlns:r="http://schemas.openxmlformats.org/officeDocument/2006/relationships" xmlns:p="http://schemas.openxmlformats.org/presentationml/2006/main">
+  <p:cSld>
+    <p:spTree>
+      <p:nvGrpSpPr>
+        <p:cNvPr id="1" name=""/>
+        <p:cNvGrpSpPr/>
+        <p:nvPr/>
+      </p:nvGrpSpPr>
+      <p:grpSpPr>
+        <a:xfrm>
+          <a:off x="0" y="0"/>
+          <a:ext cx="0" cy="0"/>
+          <a:chOff x="0" y="0"/>
+          <a:chExt cx="0" cy="0"/>
+        </a:xfrm>
+      </p:grpSpPr>
+      <p:sp>
+        <p:nvSpPr>
+          <p:cNvPr id="2" name="Образ слайда 1"/>
+          <p:cNvSpPr>
+            <a:spLocks noGrp="1" noRot="1" noChangeAspect="1"/>
+          </p:cNvSpPr>
+          <p:nvPr>
+            <p:ph type="sldImg"/>
+          </p:nvPr>
+        </p:nvSpPr>
+        <p:spPr/>
+      </p:sp>
+      <p:sp>
+        <p:nvSpPr>
+          <p:cNvPr id="3" name="Заметки 2"/>
+          <p:cNvSpPr>
+            <a:spLocks noGrp="1"/>
+          </p:cNvSpPr>
+          <p:nvPr>
+            <p:ph type="body" idx="1"/>
+          </p:nvPr>
+        </p:nvSpPr>
+        <p:spPr/>
+        <p:txBody>
+          <a:bodyPr/>
+          <a:lstStyle/>
+          <a:p>
+            <a:endParaRPr lang="ru-RU" dirty="0"/>
+          </a:p>
+        </p:txBody>
+      </p:sp>
+      <p:sp>
+        <p:nvSpPr>
+          <p:cNvPr id="4" name="Номер слайда 3"/>
+          <p:cNvSpPr>
+            <a:spLocks noGrp="1"/>
+          </p:cNvSpPr>
+          <p:nvPr>
+            <p:ph type="sldNum" sz="quarter" idx="5"/>
+          </p:nvPr>
+        </p:nvSpPr>
+        <p:spPr/>
+        <p:txBody>
+          <a:bodyPr/>
+          <a:lstStyle/>
+          <a:p>
+            <a:fld id="{9ECDBB0A-208B-47C9-8F81-C27DAE2BC516}" type="slidenum">
+              <a:rPr lang="ru-RU" smtClean="0"/>
+              <a:t>6</a:t>
+            </a:fld>
+            <a:endParaRPr lang="ru-RU"/>
+          </a:p>
+        </p:txBody>
+      </p:sp>
+    </p:spTree>
+    <p:extLst>
+      <p:ext uri="{BB962C8B-B14F-4D97-AF65-F5344CB8AC3E}">
+        <p14:creationId xmlns:p14="http://schemas.microsoft.com/office/powerpoint/2010/main" val="3689600305"/>
+      </p:ext>
+    </p:extLst>
+  </p:cSld>
+  <p:clrMapOvr>
+    <a:masterClrMapping/>
+  </p:clrMapOvr>
+</p:notes>
 </file>
 
 <file path=ppt/slideLayouts/slideLayout1.xml><?xml version="1.0" encoding="utf-8"?>
@@ -260,7 +706,7 @@
           <a:p>
             <a:fld id="{A5D2C62C-3C34-4B7F-B3D7-03C6A9782C1D}" type="datetimeFigureOut">
               <a:rPr lang="ru-RU" smtClean="0"/>
-              <a:t>09.11.2021</a:t>
+              <a:t>12.11.2021</a:t>
             </a:fld>
             <a:endParaRPr lang="ru-RU"/>
           </a:p>
@@ -458,7 +904,7 @@
           <a:p>
             <a:fld id="{A5D2C62C-3C34-4B7F-B3D7-03C6A9782C1D}" type="datetimeFigureOut">
               <a:rPr lang="ru-RU" smtClean="0"/>
-              <a:t>09.11.2021</a:t>
+              <a:t>12.11.2021</a:t>
             </a:fld>
             <a:endParaRPr lang="ru-RU"/>
           </a:p>
@@ -666,7 +1112,7 @@
           <a:p>
             <a:fld id="{A5D2C62C-3C34-4B7F-B3D7-03C6A9782C1D}" type="datetimeFigureOut">
               <a:rPr lang="ru-RU" smtClean="0"/>
-              <a:t>09.11.2021</a:t>
+              <a:t>12.11.2021</a:t>
             </a:fld>
             <a:endParaRPr lang="ru-RU"/>
           </a:p>
@@ -864,7 +1310,7 @@
           <a:p>
             <a:fld id="{A5D2C62C-3C34-4B7F-B3D7-03C6A9782C1D}" type="datetimeFigureOut">
               <a:rPr lang="ru-RU" smtClean="0"/>
-              <a:t>09.11.2021</a:t>
+              <a:t>12.11.2021</a:t>
             </a:fld>
             <a:endParaRPr lang="ru-RU"/>
           </a:p>
@@ -1139,7 +1585,7 @@
           <a:p>
             <a:fld id="{A5D2C62C-3C34-4B7F-B3D7-03C6A9782C1D}" type="datetimeFigureOut">
               <a:rPr lang="ru-RU" smtClean="0"/>
-              <a:t>09.11.2021</a:t>
+              <a:t>12.11.2021</a:t>
             </a:fld>
             <a:endParaRPr lang="ru-RU"/>
           </a:p>
@@ -1404,7 +1850,7 @@
           <a:p>
             <a:fld id="{A5D2C62C-3C34-4B7F-B3D7-03C6A9782C1D}" type="datetimeFigureOut">
               <a:rPr lang="ru-RU" smtClean="0"/>
-              <a:t>09.11.2021</a:t>
+              <a:t>12.11.2021</a:t>
             </a:fld>
             <a:endParaRPr lang="ru-RU"/>
           </a:p>
@@ -1816,7 +2262,7 @@
           <a:p>
             <a:fld id="{A5D2C62C-3C34-4B7F-B3D7-03C6A9782C1D}" type="datetimeFigureOut">
               <a:rPr lang="ru-RU" smtClean="0"/>
-              <a:t>09.11.2021</a:t>
+              <a:t>12.11.2021</a:t>
             </a:fld>
             <a:endParaRPr lang="ru-RU"/>
           </a:p>
@@ -1957,7 +2403,7 @@
           <a:p>
             <a:fld id="{A5D2C62C-3C34-4B7F-B3D7-03C6A9782C1D}" type="datetimeFigureOut">
               <a:rPr lang="ru-RU" smtClean="0"/>
-              <a:t>09.11.2021</a:t>
+              <a:t>12.11.2021</a:t>
             </a:fld>
             <a:endParaRPr lang="ru-RU"/>
           </a:p>
@@ -2070,7 +2516,7 @@
           <a:p>
             <a:fld id="{A5D2C62C-3C34-4B7F-B3D7-03C6A9782C1D}" type="datetimeFigureOut">
               <a:rPr lang="ru-RU" smtClean="0"/>
-              <a:t>09.11.2021</a:t>
+              <a:t>12.11.2021</a:t>
             </a:fld>
             <a:endParaRPr lang="ru-RU"/>
           </a:p>
@@ -2381,7 +2827,7 @@
           <a:p>
             <a:fld id="{A5D2C62C-3C34-4B7F-B3D7-03C6A9782C1D}" type="datetimeFigureOut">
               <a:rPr lang="ru-RU" smtClean="0"/>
-              <a:t>09.11.2021</a:t>
+              <a:t>12.11.2021</a:t>
             </a:fld>
             <a:endParaRPr lang="ru-RU"/>
           </a:p>
@@ -2669,7 +3115,7 @@
           <a:p>
             <a:fld id="{A5D2C62C-3C34-4B7F-B3D7-03C6A9782C1D}" type="datetimeFigureOut">
               <a:rPr lang="ru-RU" smtClean="0"/>
-              <a:t>09.11.2021</a:t>
+              <a:t>12.11.2021</a:t>
             </a:fld>
             <a:endParaRPr lang="ru-RU"/>
           </a:p>
@@ -2910,7 +3356,7 @@
           <a:p>
             <a:fld id="{A5D2C62C-3C34-4B7F-B3D7-03C6A9782C1D}" type="datetimeFigureOut">
               <a:rPr lang="ru-RU" smtClean="0"/>
-              <a:t>09.11.2021</a:t>
+              <a:t>12.11.2021</a:t>
             </a:fld>
             <a:endParaRPr lang="ru-RU"/>
           </a:p>
@@ -3402,6 +3848,395 @@
 </p:sld>
 </file>
 
+<file path=ppt/slides/slide10.xml><?xml version="1.0" encoding="utf-8"?>
+<p:sld xmlns:a="http://schemas.openxmlformats.org/drawingml/2006/main" xmlns:r="http://schemas.openxmlformats.org/officeDocument/2006/relationships" xmlns:p="http://schemas.openxmlformats.org/presentationml/2006/main">
+  <p:cSld>
+    <p:spTree>
+      <p:nvGrpSpPr>
+        <p:cNvPr id="1" name=""/>
+        <p:cNvGrpSpPr/>
+        <p:nvPr/>
+      </p:nvGrpSpPr>
+      <p:grpSpPr>
+        <a:xfrm>
+          <a:off x="0" y="0"/>
+          <a:ext cx="0" cy="0"/>
+          <a:chOff x="0" y="0"/>
+          <a:chExt cx="0" cy="0"/>
+        </a:xfrm>
+      </p:grpSpPr>
+      <p:sp>
+        <p:nvSpPr>
+          <p:cNvPr id="2" name="Заголовок 1">
+            <a:extLst>
+              <a:ext uri="{FF2B5EF4-FFF2-40B4-BE49-F238E27FC236}">
+                <a16:creationId xmlns:a16="http://schemas.microsoft.com/office/drawing/2014/main" id="{1AC32B3F-4148-4345-900F-E44DB824225C}"/>
+              </a:ext>
+            </a:extLst>
+          </p:cNvPr>
+          <p:cNvSpPr>
+            <a:spLocks noGrp="1"/>
+          </p:cNvSpPr>
+          <p:nvPr>
+            <p:ph type="title"/>
+          </p:nvPr>
+        </p:nvSpPr>
+        <p:spPr/>
+        <p:txBody>
+          <a:bodyPr/>
+          <a:lstStyle/>
+          <a:p>
+            <a:pPr marL="0" indent="0">
+              <a:buNone/>
+            </a:pPr>
+            <a:r>
+              <a:rPr lang="ru-RU" dirty="0"/>
+              <a:t>На кой нужно приложение, которое использует интернет, если есть браузер</a:t>
+            </a:r>
+            <a:r>
+              <a:rPr lang="en-US" dirty="0"/>
+              <a:t>?</a:t>
+            </a:r>
+          </a:p>
+        </p:txBody>
+      </p:sp>
+      <p:sp>
+        <p:nvSpPr>
+          <p:cNvPr id="3" name="Объект 2">
+            <a:extLst>
+              <a:ext uri="{FF2B5EF4-FFF2-40B4-BE49-F238E27FC236}">
+                <a16:creationId xmlns:a16="http://schemas.microsoft.com/office/drawing/2014/main" id="{008D27BB-018C-478D-8B2E-FA2A9E4ED9B5}"/>
+              </a:ext>
+            </a:extLst>
+          </p:cNvPr>
+          <p:cNvSpPr>
+            <a:spLocks noGrp="1"/>
+          </p:cNvSpPr>
+          <p:nvPr>
+            <p:ph idx="1"/>
+          </p:nvPr>
+        </p:nvSpPr>
+        <p:spPr/>
+        <p:txBody>
+          <a:bodyPr/>
+          <a:lstStyle/>
+          <a:p>
+            <a:pPr marL="514350" indent="-514350">
+              <a:buAutoNum type="arabicPeriod"/>
+            </a:pPr>
+            <a:r>
+              <a:rPr lang="ru-RU" dirty="0"/>
+              <a:t>Не все ф-</a:t>
+            </a:r>
+            <a:r>
+              <a:rPr lang="ru-RU" dirty="0" err="1"/>
+              <a:t>ции</a:t>
+            </a:r>
+            <a:r>
+              <a:rPr lang="ru-RU" dirty="0"/>
+              <a:t> используют интернет</a:t>
+            </a:r>
+          </a:p>
+          <a:p>
+            <a:pPr marL="514350" indent="-514350">
+              <a:buAutoNum type="arabicPeriod"/>
+            </a:pPr>
+            <a:r>
+              <a:rPr lang="ru-RU" dirty="0"/>
+              <a:t>Лично я не смог найти на первых страницах хрома калькулятор цепочек реакции, только сайты, которые считают ее отдельные звенья</a:t>
+            </a:r>
+          </a:p>
+          <a:p>
+            <a:pPr marL="514350" indent="-514350">
+              <a:buAutoNum type="arabicPeriod"/>
+            </a:pPr>
+            <a:r>
+              <a:rPr lang="ru-RU" dirty="0"/>
+              <a:t>Результаты ф-</a:t>
+            </a:r>
+            <a:r>
+              <a:rPr lang="ru-RU" dirty="0" err="1"/>
+              <a:t>ций</a:t>
+            </a:r>
+            <a:r>
+              <a:rPr lang="ru-RU" dirty="0"/>
+              <a:t>, использующих интернет сами сохраняются и, если вы решали какое-то уравнение, то сможете его найти без интернета</a:t>
+            </a:r>
+          </a:p>
+          <a:p>
+            <a:pPr marL="514350" indent="-514350">
+              <a:buAutoNum type="arabicPeriod"/>
+            </a:pPr>
+            <a:r>
+              <a:rPr lang="ru-RU" dirty="0"/>
+              <a:t>Папку с приложением можно закрепить на рабочем столе и для людей с низкой скоростью печати удобнее будет воспользоваться им, нежели что-то печатать</a:t>
+            </a:r>
+          </a:p>
+        </p:txBody>
+      </p:sp>
+    </p:spTree>
+    <p:extLst>
+      <p:ext uri="{BB962C8B-B14F-4D97-AF65-F5344CB8AC3E}">
+        <p14:creationId xmlns:p14="http://schemas.microsoft.com/office/powerpoint/2010/main" val="3195565037"/>
+      </p:ext>
+    </p:extLst>
+  </p:cSld>
+  <p:clrMapOvr>
+    <a:masterClrMapping/>
+  </p:clrMapOvr>
+</p:sld>
+</file>
+
+<file path=ppt/slides/slide11.xml><?xml version="1.0" encoding="utf-8"?>
+<p:sld xmlns:a="http://schemas.openxmlformats.org/drawingml/2006/main" xmlns:r="http://schemas.openxmlformats.org/officeDocument/2006/relationships" xmlns:p="http://schemas.openxmlformats.org/presentationml/2006/main">
+  <p:cSld>
+    <p:spTree>
+      <p:nvGrpSpPr>
+        <p:cNvPr id="1" name=""/>
+        <p:cNvGrpSpPr/>
+        <p:nvPr/>
+      </p:nvGrpSpPr>
+      <p:grpSpPr>
+        <a:xfrm>
+          <a:off x="0" y="0"/>
+          <a:ext cx="0" cy="0"/>
+          <a:chOff x="0" y="0"/>
+          <a:chExt cx="0" cy="0"/>
+        </a:xfrm>
+      </p:grpSpPr>
+      <p:sp>
+        <p:nvSpPr>
+          <p:cNvPr id="2" name="Заголовок 1">
+            <a:extLst>
+              <a:ext uri="{FF2B5EF4-FFF2-40B4-BE49-F238E27FC236}">
+                <a16:creationId xmlns:a16="http://schemas.microsoft.com/office/drawing/2014/main" id="{9F06279C-8455-419D-816A-8D7F60A45157}"/>
+              </a:ext>
+            </a:extLst>
+          </p:cNvPr>
+          <p:cNvSpPr>
+            <a:spLocks noGrp="1"/>
+          </p:cNvSpPr>
+          <p:nvPr>
+            <p:ph type="title"/>
+          </p:nvPr>
+        </p:nvSpPr>
+        <p:spPr/>
+        <p:txBody>
+          <a:bodyPr/>
+          <a:lstStyle/>
+          <a:p>
+            <a:r>
+              <a:rPr lang="ru-RU" dirty="0"/>
+              <a:t>Зачем таблица при входе</a:t>
+            </a:r>
+            <a:r>
+              <a:rPr lang="en-US" dirty="0"/>
+              <a:t>?</a:t>
+            </a:r>
+            <a:endParaRPr lang="ru-RU" dirty="0"/>
+          </a:p>
+        </p:txBody>
+      </p:sp>
+      <p:sp>
+        <p:nvSpPr>
+          <p:cNvPr id="3" name="Объект 2">
+            <a:extLst>
+              <a:ext uri="{FF2B5EF4-FFF2-40B4-BE49-F238E27FC236}">
+                <a16:creationId xmlns:a16="http://schemas.microsoft.com/office/drawing/2014/main" id="{D9061D93-A01D-40C1-9006-915A6D43EBB2}"/>
+              </a:ext>
+            </a:extLst>
+          </p:cNvPr>
+          <p:cNvSpPr>
+            <a:spLocks noGrp="1"/>
+          </p:cNvSpPr>
+          <p:nvPr>
+            <p:ph idx="1"/>
+          </p:nvPr>
+        </p:nvSpPr>
+        <p:spPr/>
+        <p:txBody>
+          <a:bodyPr/>
+          <a:lstStyle/>
+          <a:p>
+            <a:pPr marL="514350" indent="-514350">
+              <a:buAutoNum type="arabicPeriod"/>
+            </a:pPr>
+            <a:r>
+              <a:rPr lang="ru-RU" dirty="0"/>
+              <a:t>Нужно было сделать несколько таблиц, собственно…</a:t>
+            </a:r>
+          </a:p>
+          <a:p>
+            <a:pPr marL="514350" indent="-514350">
+              <a:buAutoNum type="arabicPeriod"/>
+            </a:pPr>
+            <a:r>
+              <a:rPr lang="ru-RU" dirty="0"/>
+              <a:t>Если предполагать, что приложение будет распространяться, то можно удалить ф-</a:t>
+            </a:r>
+            <a:r>
+              <a:rPr lang="ru-RU" dirty="0" err="1"/>
+              <a:t>цию</a:t>
+            </a:r>
+            <a:r>
+              <a:rPr lang="ru-RU" dirty="0"/>
+              <a:t> получения </a:t>
+            </a:r>
+            <a:r>
+              <a:rPr lang="ru-RU" dirty="0" err="1"/>
+              <a:t>айпи</a:t>
+            </a:r>
+            <a:r>
+              <a:rPr lang="ru-RU" dirty="0"/>
+              <a:t>, немного переделать таблицы с </a:t>
+            </a:r>
+            <a:r>
+              <a:rPr lang="en-US" dirty="0" err="1"/>
+              <a:t>sqlite</a:t>
+            </a:r>
+            <a:r>
+              <a:rPr lang="en-US" dirty="0"/>
+              <a:t> </a:t>
+            </a:r>
+            <a:r>
+              <a:rPr lang="ru-RU" dirty="0"/>
+              <a:t>на </a:t>
+            </a:r>
+            <a:r>
+              <a:rPr lang="en-US" dirty="0" err="1"/>
+              <a:t>mysql</a:t>
+            </a:r>
+            <a:r>
+              <a:rPr lang="en-US" dirty="0"/>
+              <a:t> </a:t>
+            </a:r>
+            <a:r>
+              <a:rPr lang="ru-RU" dirty="0"/>
+              <a:t>и закинуть на хостинг, можно будет смотреть кто и когда зашел в приложение, мне кажется прикольно</a:t>
+            </a:r>
+          </a:p>
+        </p:txBody>
+      </p:sp>
+    </p:spTree>
+    <p:extLst>
+      <p:ext uri="{BB962C8B-B14F-4D97-AF65-F5344CB8AC3E}">
+        <p14:creationId xmlns:p14="http://schemas.microsoft.com/office/powerpoint/2010/main" val="1919881520"/>
+      </p:ext>
+    </p:extLst>
+  </p:cSld>
+  <p:clrMapOvr>
+    <a:masterClrMapping/>
+  </p:clrMapOvr>
+</p:sld>
+</file>
+
+<file path=ppt/slides/slide12.xml><?xml version="1.0" encoding="utf-8"?>
+<p:sld xmlns:a="http://schemas.openxmlformats.org/drawingml/2006/main" xmlns:r="http://schemas.openxmlformats.org/officeDocument/2006/relationships" xmlns:p="http://schemas.openxmlformats.org/presentationml/2006/main">
+  <p:cSld>
+    <p:spTree>
+      <p:nvGrpSpPr>
+        <p:cNvPr id="1" name=""/>
+        <p:cNvGrpSpPr/>
+        <p:nvPr/>
+      </p:nvGrpSpPr>
+      <p:grpSpPr>
+        <a:xfrm>
+          <a:off x="0" y="0"/>
+          <a:ext cx="0" cy="0"/>
+          <a:chOff x="0" y="0"/>
+          <a:chExt cx="0" cy="0"/>
+        </a:xfrm>
+      </p:grpSpPr>
+      <p:sp>
+        <p:nvSpPr>
+          <p:cNvPr id="2" name="Заголовок 1">
+            <a:extLst>
+              <a:ext uri="{FF2B5EF4-FFF2-40B4-BE49-F238E27FC236}">
+                <a16:creationId xmlns:a16="http://schemas.microsoft.com/office/drawing/2014/main" id="{E7561557-C85A-4B73-BFC6-39B19E1FB957}"/>
+              </a:ext>
+            </a:extLst>
+          </p:cNvPr>
+          <p:cNvSpPr>
+            <a:spLocks noGrp="1"/>
+          </p:cNvSpPr>
+          <p:nvPr>
+            <p:ph type="ctrTitle"/>
+          </p:nvPr>
+        </p:nvSpPr>
+        <p:spPr/>
+        <p:txBody>
+          <a:bodyPr/>
+          <a:lstStyle/>
+          <a:p>
+            <a:r>
+              <a:rPr lang="ru-RU" dirty="0"/>
+              <a:t>Сайт</a:t>
+            </a:r>
+          </a:p>
+        </p:txBody>
+      </p:sp>
+      <p:sp>
+        <p:nvSpPr>
+          <p:cNvPr id="3" name="Подзаголовок 2">
+            <a:extLst>
+              <a:ext uri="{FF2B5EF4-FFF2-40B4-BE49-F238E27FC236}">
+                <a16:creationId xmlns:a16="http://schemas.microsoft.com/office/drawing/2014/main" id="{E8194F63-4B61-4ACA-8785-3A15EE5B3CDD}"/>
+              </a:ext>
+            </a:extLst>
+          </p:cNvPr>
+          <p:cNvSpPr>
+            <a:spLocks noGrp="1"/>
+          </p:cNvSpPr>
+          <p:nvPr>
+            <p:ph type="subTitle" idx="1"/>
+          </p:nvPr>
+        </p:nvSpPr>
+        <p:spPr/>
+        <p:txBody>
+          <a:bodyPr/>
+          <a:lstStyle/>
+          <a:p>
+            <a:r>
+              <a:rPr lang="ru-RU" dirty="0"/>
+              <a:t>Как и для пояснительной записки, я не удержался и сделал сайт, то есть не сделал, а просто написал там данные отсюда, кому интересно – ссылка есть в самом проекте, на </a:t>
+            </a:r>
+            <a:r>
+              <a:rPr lang="ru-RU" dirty="0" err="1"/>
+              <a:t>гитхабе</a:t>
+            </a:r>
+            <a:r>
+              <a:rPr lang="ru-RU" dirty="0"/>
+              <a:t> и вот</a:t>
+            </a:r>
+            <a:r>
+              <a:rPr lang="en-US" dirty="0"/>
+              <a:t>:</a:t>
+            </a:r>
+          </a:p>
+          <a:p>
+            <a:r>
+              <a:rPr lang="en-US" dirty="0">
+                <a:hlinkClick r:id="rId2"/>
+              </a:rPr>
+              <a:t>https://anoobisthegod.github.io/site/projects/pyqt.html</a:t>
+            </a:r>
+            <a:endParaRPr lang="ru-RU" dirty="0"/>
+          </a:p>
+        </p:txBody>
+      </p:sp>
+    </p:spTree>
+    <p:extLst>
+      <p:ext uri="{BB962C8B-B14F-4D97-AF65-F5344CB8AC3E}">
+        <p14:creationId xmlns:p14="http://schemas.microsoft.com/office/powerpoint/2010/main" val="4057089239"/>
+      </p:ext>
+    </p:extLst>
+  </p:cSld>
+  <p:clrMapOvr>
+    <a:masterClrMapping/>
+  </p:clrMapOvr>
+</p:sld>
+</file>
+
 <file path=ppt/slides/slide2.xml><?xml version="1.0" encoding="utf-8"?>
 <p:sld xmlns:a="http://schemas.openxmlformats.org/drawingml/2006/main" xmlns:r="http://schemas.openxmlformats.org/officeDocument/2006/relationships" xmlns:p="http://schemas.openxmlformats.org/presentationml/2006/main">
   <p:cSld>
@@ -3473,15 +4308,7 @@
             </a:pPr>
             <a:r>
               <a:rPr lang="ru-RU" dirty="0"/>
-              <a:t>В 8 классе(год назад) у меня появился такой мега предмет как химия, который мне капец не нравился, тогда я немного увлекался программированием и сделал программу, которая открывает браузер, вбивает нужные уравнения и </a:t>
-            </a:r>
-            <a:r>
-              <a:rPr lang="ru-RU" dirty="0" err="1"/>
-              <a:t>скринит</a:t>
-            </a:r>
-            <a:r>
-              <a:rPr lang="ru-RU" dirty="0"/>
-              <a:t> ответ, это сократило время деланья домашки на 40</a:t>
+              <a:t>В 8 классе(год назад) у меня появился такой предмет как химия, который мне очень не нравился, тогда я немного увлекался программированием и сделал программу, которая открывает браузер, вбивает нужные уравнения и делает скриншоты ответов, это сократило время деланья домашки на 40</a:t>
             </a:r>
             <a:r>
               <a:rPr lang="en-US" dirty="0"/>
@@ -3594,7 +4421,7 @@
             </a:pPr>
             <a:r>
               <a:rPr lang="ru-RU" dirty="0"/>
-              <a:t>Если это уж настолько удобно, то добавлю-ка я и другие предметы в приложение(потому что в ботов смысла нет, браузером проще), и добавил математику и информатику, что опять же неплохо так сокращало время деланья домашки(по информатике особенно). Поэтому когда речи зашла про проект, я подумал, что было бы прикольно сделать десктопную версию этого приложения потому что почему бы и нет, и собственно вот…</a:t>
+              <a:t>Если это уж настолько удобно, то добавлю-ка я и другие предметы в приложение(потому что в ботов смысла нет, браузером проще), и добавил математику и информатику, что опять же неплохо так сокращало время деланья домашки(по информатике особенно). Поэтому когда речь зашла про проект, я подумал, что было бы не плохо сделать десктопную версию этого приложения потому что почему бы и нет, и собственно вот…</a:t>
             </a:r>
           </a:p>
         </p:txBody>
@@ -3720,106 +4547,53 @@
           <p:cNvPr id="2" name="Заголовок 1">
             <a:extLst>
               <a:ext uri="{FF2B5EF4-FFF2-40B4-BE49-F238E27FC236}">
-                <a16:creationId xmlns:a16="http://schemas.microsoft.com/office/drawing/2014/main" id="{1AC32B3F-4148-4345-900F-E44DB824225C}"/>
-              </a:ext>
-            </a:extLst>
-          </p:cNvPr>
-          <p:cNvSpPr>
-            <a:spLocks noGrp="1"/>
-          </p:cNvSpPr>
-          <p:nvPr>
-            <p:ph type="title"/>
-          </p:nvPr>
-        </p:nvSpPr>
-        <p:spPr/>
-        <p:txBody>
-          <a:bodyPr/>
-          <a:lstStyle/>
-          <a:p>
-            <a:pPr marL="0" indent="0">
-              <a:buNone/>
-            </a:pPr>
+                <a16:creationId xmlns:a16="http://schemas.microsoft.com/office/drawing/2014/main" id="{641FAB4B-A536-4696-96BD-DEEA5A3AB86C}"/>
+              </a:ext>
+            </a:extLst>
+          </p:cNvPr>
+          <p:cNvSpPr>
+            <a:spLocks noGrp="1"/>
+          </p:cNvSpPr>
+          <p:nvPr>
+            <p:ph type="ctrTitle"/>
+          </p:nvPr>
+        </p:nvSpPr>
+        <p:spPr/>
+        <p:txBody>
+          <a:bodyPr/>
+          <a:lstStyle/>
+          <a:p>
             <a:r>
               <a:rPr lang="ru-RU" dirty="0"/>
-              <a:t>На кой нужно приложение, которое использует интернет, если есть браузер</a:t>
-            </a:r>
-            <a:r>
-              <a:rPr lang="en-US" dirty="0"/>
-              <a:t>?</a:t>
-            </a:r>
-          </a:p>
-        </p:txBody>
-      </p:sp>
-      <p:sp>
-        <p:nvSpPr>
-          <p:cNvPr id="3" name="Объект 2">
-            <a:extLst>
-              <a:ext uri="{FF2B5EF4-FFF2-40B4-BE49-F238E27FC236}">
-                <a16:creationId xmlns:a16="http://schemas.microsoft.com/office/drawing/2014/main" id="{008D27BB-018C-478D-8B2E-FA2A9E4ED9B5}"/>
-              </a:ext>
-            </a:extLst>
-          </p:cNvPr>
-          <p:cNvSpPr>
-            <a:spLocks noGrp="1"/>
-          </p:cNvSpPr>
-          <p:nvPr>
-            <p:ph idx="1"/>
-          </p:nvPr>
-        </p:nvSpPr>
-        <p:spPr/>
-        <p:txBody>
-          <a:bodyPr/>
-          <a:lstStyle/>
-          <a:p>
-            <a:pPr marL="514350" indent="-514350">
-              <a:buAutoNum type="arabicPeriod"/>
-            </a:pPr>
+              <a:t>Теперь немного о функционале</a:t>
+            </a:r>
+          </a:p>
+        </p:txBody>
+      </p:sp>
+      <p:sp>
+        <p:nvSpPr>
+          <p:cNvPr id="3" name="Подзаголовок 2">
+            <a:extLst>
+              <a:ext uri="{FF2B5EF4-FFF2-40B4-BE49-F238E27FC236}">
+                <a16:creationId xmlns:a16="http://schemas.microsoft.com/office/drawing/2014/main" id="{47D2764B-90DD-4FFA-AA38-A6E8A9363063}"/>
+              </a:ext>
+            </a:extLst>
+          </p:cNvPr>
+          <p:cNvSpPr>
+            <a:spLocks noGrp="1"/>
+          </p:cNvSpPr>
+          <p:nvPr>
+            <p:ph type="subTitle" idx="1"/>
+          </p:nvPr>
+        </p:nvSpPr>
+        <p:spPr/>
+        <p:txBody>
+          <a:bodyPr/>
+          <a:lstStyle/>
+          <a:p>
             <a:r>
               <a:rPr lang="ru-RU" dirty="0"/>
-              <a:t>Не все ф-</a:t>
-            </a:r>
-            <a:r>
-              <a:rPr lang="ru-RU" dirty="0" err="1"/>
-              <a:t>ции</a:t>
-            </a:r>
-            <a:r>
-              <a:rPr lang="ru-RU" dirty="0"/>
-              <a:t> используют интернет</a:t>
-            </a:r>
-          </a:p>
-          <a:p>
-            <a:pPr marL="514350" indent="-514350">
-              <a:buAutoNum type="arabicPeriod"/>
-            </a:pPr>
-            <a:r>
-              <a:rPr lang="ru-RU" dirty="0"/>
-              <a:t>Лично я не смог найти на первых страницах хрома калькулятор цепочек реакции, только сайты, которые считают ее отдельные звенья</a:t>
-            </a:r>
-          </a:p>
-          <a:p>
-            <a:pPr marL="514350" indent="-514350">
-              <a:buAutoNum type="arabicPeriod"/>
-            </a:pPr>
-            <a:r>
-              <a:rPr lang="ru-RU" dirty="0"/>
-              <a:t>Результаты ф-</a:t>
-            </a:r>
-            <a:r>
-              <a:rPr lang="ru-RU" dirty="0" err="1"/>
-              <a:t>ций</a:t>
-            </a:r>
-            <a:r>
-              <a:rPr lang="ru-RU" dirty="0"/>
-              <a:t>, использующих интернет сами сохраняются и, если вы решали какое-то уравнение, то сможете его найти без интернета</a:t>
-            </a:r>
-          </a:p>
-          <a:p>
-            <a:pPr marL="514350" indent="-514350">
-              <a:buAutoNum type="arabicPeriod"/>
-            </a:pPr>
-            <a:r>
-              <a:rPr lang="ru-RU" dirty="0"/>
-              <a:t>Папку с приложением можно закрепить на рабочем столе и для людей с низкой скоростью печати удобнее будет воспользоваться им, нежели что-то печатать</a:t>
+              <a:t>Или куда нужно нажимать чтобы что-то работало</a:t>
             </a:r>
           </a:p>
         </p:txBody>
@@ -3827,7 +4601,7 @@
     </p:spTree>
     <p:extLst>
       <p:ext uri="{BB962C8B-B14F-4D97-AF65-F5344CB8AC3E}">
-        <p14:creationId xmlns:p14="http://schemas.microsoft.com/office/powerpoint/2010/main" val="3195565037"/>
+        <p14:creationId xmlns:p14="http://schemas.microsoft.com/office/powerpoint/2010/main" val="4230907894"/>
       </p:ext>
     </p:extLst>
   </p:cSld>
@@ -3859,7 +4633,7 @@
           <p:cNvPr id="2" name="Заголовок 1">
             <a:extLst>
               <a:ext uri="{FF2B5EF4-FFF2-40B4-BE49-F238E27FC236}">
-                <a16:creationId xmlns:a16="http://schemas.microsoft.com/office/drawing/2014/main" id="{9F06279C-8455-419D-816A-8D7F60A45157}"/>
+                <a16:creationId xmlns:a16="http://schemas.microsoft.com/office/drawing/2014/main" id="{C63158E9-A531-4C9A-A16A-1CA5F0DFC3B3}"/>
               </a:ext>
             </a:extLst>
           </p:cNvPr>
@@ -3877,13 +4651,8 @@
           <a:p>
             <a:r>
               <a:rPr lang="ru-RU" dirty="0"/>
-              <a:t>Зачем таблица при входе</a:t>
-            </a:r>
-            <a:r>
-              <a:rPr lang="en-US" dirty="0"/>
-              <a:t>?</a:t>
-            </a:r>
-            <a:endParaRPr lang="ru-RU" dirty="0"/>
+              <a:t>Главный экран</a:t>
+            </a:r>
           </a:p>
         </p:txBody>
       </p:sp>
@@ -3892,7 +4661,7 @@
           <p:cNvPr id="3" name="Объект 2">
             <a:extLst>
               <a:ext uri="{FF2B5EF4-FFF2-40B4-BE49-F238E27FC236}">
-                <a16:creationId xmlns:a16="http://schemas.microsoft.com/office/drawing/2014/main" id="{D9061D93-A01D-40C1-9006-915A6D43EBB2}"/>
+                <a16:creationId xmlns:a16="http://schemas.microsoft.com/office/drawing/2014/main" id="{14CFC46E-C1F1-4DCB-8097-9E7334FCFDBA}"/>
               </a:ext>
             </a:extLst>
           </p:cNvPr>
@@ -3903,74 +4672,76 @@
             <p:ph idx="1"/>
           </p:nvPr>
         </p:nvSpPr>
-        <p:spPr/>
-        <p:txBody>
-          <a:bodyPr/>
-          <a:lstStyle/>
-          <a:p>
-            <a:pPr marL="514350" indent="-514350">
-              <a:buAutoNum type="arabicPeriod"/>
+        <p:spPr>
+          <a:xfrm>
+            <a:off x="838200" y="1825625"/>
+            <a:ext cx="5257800" cy="4351338"/>
+          </a:xfrm>
+        </p:spPr>
+        <p:txBody>
+          <a:bodyPr/>
+          <a:lstStyle/>
+          <a:p>
+            <a:pPr marL="0" indent="0">
+              <a:buNone/>
             </a:pPr>
             <a:r>
               <a:rPr lang="ru-RU" dirty="0"/>
-              <a:t>Нужно было сделать несколько таблиц, собственно вот</a:t>
-            </a:r>
-          </a:p>
-          <a:p>
-            <a:pPr marL="514350" indent="-514350">
-              <a:buAutoNum type="arabicPeriod"/>
-            </a:pPr>
+              <a:t>Тут интерфейс довольно простой и, как мне кажется, в объяснении не нуждается, тут есть таблица с датами входа в приложение и данными вошедшего пользователя, кнопка, убирающая все ваши </a:t>
+            </a:r>
+            <a:r>
+              <a:rPr lang="ru-RU" dirty="0" err="1"/>
+              <a:t>айпишники</a:t>
+            </a:r>
             <a:r>
               <a:rPr lang="ru-RU" dirty="0"/>
-              <a:t>Если предполагать, что приложение будет распространяться, то можно удалить ф-</a:t>
+              <a:t> из таблицы, ссылки на вебсайт и </a:t>
             </a:r>
             <a:r>
               <a:rPr lang="ru-RU" dirty="0" err="1"/>
-              <a:t>цию</a:t>
+              <a:t>гитхаб</a:t>
             </a:r>
             <a:r>
               <a:rPr lang="ru-RU" dirty="0"/>
-              <a:t> получения </a:t>
-            </a:r>
-            <a:r>
-              <a:rPr lang="ru-RU" dirty="0" err="1"/>
-              <a:t>айпи</a:t>
-            </a:r>
-            <a:r>
-              <a:rPr lang="ru-RU" dirty="0"/>
-              <a:t>, немного переделать таблицы с </a:t>
-            </a:r>
-            <a:r>
-              <a:rPr lang="en-US" dirty="0" err="1"/>
-              <a:t>sqlite</a:t>
-            </a:r>
-            <a:r>
-              <a:rPr lang="en-US" dirty="0"/>
-              <a:t> </a:t>
-            </a:r>
-            <a:r>
-              <a:rPr lang="ru-RU" dirty="0"/>
-              <a:t>на </a:t>
-            </a:r>
-            <a:r>
-              <a:rPr lang="en-US" dirty="0" err="1"/>
-              <a:t>mysql</a:t>
-            </a:r>
-            <a:r>
-              <a:rPr lang="en-US" dirty="0"/>
-              <a:t> </a:t>
-            </a:r>
-            <a:r>
-              <a:rPr lang="ru-RU" dirty="0"/>
-              <a:t>и закинуть на хостинг, можно будет смотреть кто и когда зашел в приложение, мне кажется прикольно</a:t>
-            </a:r>
-          </a:p>
-        </p:txBody>
-      </p:sp>
+              <a:t> и  кнопки с экранами</a:t>
+            </a:r>
+          </a:p>
+        </p:txBody>
+      </p:sp>
+      <p:pic>
+        <p:nvPicPr>
+          <p:cNvPr id="7" name="Рисунок 6">
+            <a:extLst>
+              <a:ext uri="{FF2B5EF4-FFF2-40B4-BE49-F238E27FC236}">
+                <a16:creationId xmlns:a16="http://schemas.microsoft.com/office/drawing/2014/main" id="{C95E47CF-22B6-4A81-806C-9066EAB71BAC}"/>
+              </a:ext>
+            </a:extLst>
+          </p:cNvPr>
+          <p:cNvPicPr>
+            <a:picLocks noChangeAspect="1"/>
+          </p:cNvPicPr>
+          <p:nvPr/>
+        </p:nvPicPr>
+        <p:blipFill>
+          <a:blip r:embed="rId3"/>
+          <a:stretch>
+            <a:fillRect/>
+          </a:stretch>
+        </p:blipFill>
+        <p:spPr>
+          <a:xfrm>
+            <a:off x="6518427" y="1138798"/>
+            <a:ext cx="5020732" cy="5038165"/>
+          </a:xfrm>
+          <a:prstGeom prst="rect">
+            <a:avLst/>
+          </a:prstGeom>
+        </p:spPr>
+      </p:pic>
     </p:spTree>
     <p:extLst>
       <p:ext uri="{BB962C8B-B14F-4D97-AF65-F5344CB8AC3E}">
-        <p14:creationId xmlns:p14="http://schemas.microsoft.com/office/powerpoint/2010/main" val="1919881520"/>
+        <p14:creationId xmlns:p14="http://schemas.microsoft.com/office/powerpoint/2010/main" val="2447497373"/>
       </p:ext>
     </p:extLst>
   </p:cSld>
@@ -4002,15 +4773,15 @@
           <p:cNvPr id="2" name="Заголовок 1">
             <a:extLst>
               <a:ext uri="{FF2B5EF4-FFF2-40B4-BE49-F238E27FC236}">
-                <a16:creationId xmlns:a16="http://schemas.microsoft.com/office/drawing/2014/main" id="{E7561557-C85A-4B73-BFC6-39B19E1FB957}"/>
-              </a:ext>
-            </a:extLst>
-          </p:cNvPr>
-          <p:cNvSpPr>
-            <a:spLocks noGrp="1"/>
-          </p:cNvSpPr>
-          <p:nvPr>
-            <p:ph type="ctrTitle"/>
+                <a16:creationId xmlns:a16="http://schemas.microsoft.com/office/drawing/2014/main" id="{89A11F3B-6A4B-4B03-92D8-DE411259D80F}"/>
+              </a:ext>
+            </a:extLst>
+          </p:cNvPr>
+          <p:cNvSpPr>
+            <a:spLocks noGrp="1"/>
+          </p:cNvSpPr>
+          <p:nvPr>
+            <p:ph type="title"/>
           </p:nvPr>
         </p:nvSpPr>
         <p:spPr/>
@@ -4020,64 +4791,374 @@
           <a:p>
             <a:r>
               <a:rPr lang="ru-RU" dirty="0"/>
-              <a:t>Сайт</a:t>
-            </a:r>
-          </a:p>
-        </p:txBody>
-      </p:sp>
-      <p:sp>
-        <p:nvSpPr>
-          <p:cNvPr id="3" name="Подзаголовок 2">
-            <a:extLst>
-              <a:ext uri="{FF2B5EF4-FFF2-40B4-BE49-F238E27FC236}">
-                <a16:creationId xmlns:a16="http://schemas.microsoft.com/office/drawing/2014/main" id="{E8194F63-4B61-4ACA-8785-3A15EE5B3CDD}"/>
-              </a:ext>
-            </a:extLst>
-          </p:cNvPr>
-          <p:cNvSpPr>
-            <a:spLocks noGrp="1"/>
-          </p:cNvSpPr>
-          <p:nvPr>
-            <p:ph type="subTitle" idx="1"/>
-          </p:nvPr>
-        </p:nvSpPr>
-        <p:spPr/>
-        <p:txBody>
-          <a:bodyPr/>
-          <a:lstStyle/>
-          <a:p>
+              <a:t>Химия</a:t>
+            </a:r>
+          </a:p>
+        </p:txBody>
+      </p:sp>
+      <p:sp>
+        <p:nvSpPr>
+          <p:cNvPr id="3" name="Объект 2">
+            <a:extLst>
+              <a:ext uri="{FF2B5EF4-FFF2-40B4-BE49-F238E27FC236}">
+                <a16:creationId xmlns:a16="http://schemas.microsoft.com/office/drawing/2014/main" id="{2168DAC9-6802-41D3-ADFF-B8F526D4DD0F}"/>
+              </a:ext>
+            </a:extLst>
+          </p:cNvPr>
+          <p:cNvSpPr>
+            <a:spLocks noGrp="1"/>
+          </p:cNvSpPr>
+          <p:nvPr>
+            <p:ph idx="1"/>
+          </p:nvPr>
+        </p:nvSpPr>
+        <p:spPr>
+          <a:xfrm>
+            <a:off x="838200" y="1825625"/>
+            <a:ext cx="5031515" cy="4351338"/>
+          </a:xfrm>
+        </p:spPr>
+        <p:txBody>
+          <a:bodyPr/>
+          <a:lstStyle/>
+          <a:p>
+            <a:pPr marL="0" indent="0">
+              <a:buNone/>
+            </a:pPr>
             <a:r>
               <a:rPr lang="ru-RU" dirty="0"/>
-              <a:t>Как и для пояснительной записки, я не удержался и сделал сайт, то есть не сделал, а просто написал там данные отсюда, кому интересно – ссылка есть в самом проекте, на </a:t>
-            </a:r>
-            <a:r>
-              <a:rPr lang="ru-RU" dirty="0" err="1"/>
-              <a:t>гитхабе</a:t>
+              <a:t>На этом экране тоже все довольно просто</a:t>
+            </a:r>
+            <a:r>
+              <a:rPr lang="en-US" dirty="0"/>
+              <a:t>: </a:t>
             </a:r>
             <a:r>
               <a:rPr lang="ru-RU" dirty="0"/>
-              <a:t> и вот</a:t>
-            </a:r>
-            <a:r>
-              <a:rPr lang="en-US" dirty="0"/>
-              <a:t>:</a:t>
-            </a:r>
-          </a:p>
-          <a:p>
-            <a:r>
-              <a:rPr lang="en-US" dirty="0">
-                <a:hlinkClick r:id="rId2"/>
-              </a:rPr>
-              <a:t>https://anoobisthegod.github.io/site/projects/pyqt.html</a:t>
-            </a:r>
-            <a:endParaRPr lang="ru-RU" dirty="0"/>
-          </a:p>
-        </p:txBody>
-      </p:sp>
+              <a:t>сверху калькулятор обычных уравнений, снизу – цепочек реакций, еще ниже – таблица Менделеева и таблица с недавними цепочками реакций</a:t>
+            </a:r>
+          </a:p>
+        </p:txBody>
+      </p:sp>
+      <p:pic>
+        <p:nvPicPr>
+          <p:cNvPr id="5" name="Рисунок 4">
+            <a:extLst>
+              <a:ext uri="{FF2B5EF4-FFF2-40B4-BE49-F238E27FC236}">
+                <a16:creationId xmlns:a16="http://schemas.microsoft.com/office/drawing/2014/main" id="{FC90DEB5-F655-4308-9D3A-83EB4E2D30D3}"/>
+              </a:ext>
+            </a:extLst>
+          </p:cNvPr>
+          <p:cNvPicPr>
+            <a:picLocks noChangeAspect="1"/>
+          </p:cNvPicPr>
+          <p:nvPr/>
+        </p:nvPicPr>
+        <p:blipFill>
+          <a:blip r:embed="rId2"/>
+          <a:stretch>
+            <a:fillRect/>
+          </a:stretch>
+        </p:blipFill>
+        <p:spPr>
+          <a:xfrm>
+            <a:off x="5869715" y="573461"/>
+            <a:ext cx="6012689" cy="5495926"/>
+          </a:xfrm>
+          <a:prstGeom prst="rect">
+            <a:avLst/>
+          </a:prstGeom>
+        </p:spPr>
+      </p:pic>
     </p:spTree>
     <p:extLst>
       <p:ext uri="{BB962C8B-B14F-4D97-AF65-F5344CB8AC3E}">
-        <p14:creationId xmlns:p14="http://schemas.microsoft.com/office/powerpoint/2010/main" val="4057089239"/>
+        <p14:creationId xmlns:p14="http://schemas.microsoft.com/office/powerpoint/2010/main" val="1681108482"/>
+      </p:ext>
+    </p:extLst>
+  </p:cSld>
+  <p:clrMapOvr>
+    <a:masterClrMapping/>
+  </p:clrMapOvr>
+</p:sld>
+</file>
+
+<file path=ppt/slides/slide8.xml><?xml version="1.0" encoding="utf-8"?>
+<p:sld xmlns:a="http://schemas.openxmlformats.org/drawingml/2006/main" xmlns:r="http://schemas.openxmlformats.org/officeDocument/2006/relationships" xmlns:p="http://schemas.openxmlformats.org/presentationml/2006/main">
+  <p:cSld>
+    <p:spTree>
+      <p:nvGrpSpPr>
+        <p:cNvPr id="1" name=""/>
+        <p:cNvGrpSpPr/>
+        <p:nvPr/>
+      </p:nvGrpSpPr>
+      <p:grpSpPr>
+        <a:xfrm>
+          <a:off x="0" y="0"/>
+          <a:ext cx="0" cy="0"/>
+          <a:chOff x="0" y="0"/>
+          <a:chExt cx="0" cy="0"/>
+        </a:xfrm>
+      </p:grpSpPr>
+      <p:sp>
+        <p:nvSpPr>
+          <p:cNvPr id="2" name="Заголовок 1">
+            <a:extLst>
+              <a:ext uri="{FF2B5EF4-FFF2-40B4-BE49-F238E27FC236}">
+                <a16:creationId xmlns:a16="http://schemas.microsoft.com/office/drawing/2014/main" id="{C4BD3482-95ED-4F10-B28D-3B26444772A8}"/>
+              </a:ext>
+            </a:extLst>
+          </p:cNvPr>
+          <p:cNvSpPr>
+            <a:spLocks noGrp="1"/>
+          </p:cNvSpPr>
+          <p:nvPr>
+            <p:ph type="title"/>
+          </p:nvPr>
+        </p:nvSpPr>
+        <p:spPr/>
+        <p:txBody>
+          <a:bodyPr/>
+          <a:lstStyle/>
+          <a:p>
+            <a:r>
+              <a:rPr lang="ru-RU" dirty="0"/>
+              <a:t>Информатика</a:t>
+            </a:r>
+          </a:p>
+        </p:txBody>
+      </p:sp>
+      <p:sp>
+        <p:nvSpPr>
+          <p:cNvPr id="3" name="Объект 2">
+            <a:extLst>
+              <a:ext uri="{FF2B5EF4-FFF2-40B4-BE49-F238E27FC236}">
+                <a16:creationId xmlns:a16="http://schemas.microsoft.com/office/drawing/2014/main" id="{5C9314FC-9404-4001-B77F-4821095986F8}"/>
+              </a:ext>
+            </a:extLst>
+          </p:cNvPr>
+          <p:cNvSpPr>
+            <a:spLocks noGrp="1"/>
+          </p:cNvSpPr>
+          <p:nvPr>
+            <p:ph idx="1"/>
+          </p:nvPr>
+        </p:nvSpPr>
+        <p:spPr>
+          <a:xfrm>
+            <a:off x="838200" y="1825625"/>
+            <a:ext cx="4970928" cy="4351338"/>
+          </a:xfrm>
+        </p:spPr>
+        <p:txBody>
+          <a:bodyPr/>
+          <a:lstStyle/>
+          <a:p>
+            <a:pPr marL="0" indent="0">
+              <a:buNone/>
+            </a:pPr>
+            <a:r>
+              <a:rPr lang="ru-RU" dirty="0"/>
+              <a:t>Как не странно, интерфейс тут самый простой, но экран в процентном соотношении сокращает домашку больше всех, сверху расположен переводчик из одной системы счисления в другую, а снизу простой калькулятор, выполняющий операции с числами в разных системах счисления</a:t>
+            </a:r>
+          </a:p>
+        </p:txBody>
+      </p:sp>
+      <p:pic>
+        <p:nvPicPr>
+          <p:cNvPr id="5" name="Рисунок 4">
+            <a:extLst>
+              <a:ext uri="{FF2B5EF4-FFF2-40B4-BE49-F238E27FC236}">
+                <a16:creationId xmlns:a16="http://schemas.microsoft.com/office/drawing/2014/main" id="{A1FF2456-9E43-411E-83D5-AB62A68824EA}"/>
+              </a:ext>
+            </a:extLst>
+          </p:cNvPr>
+          <p:cNvPicPr>
+            <a:picLocks noChangeAspect="1"/>
+          </p:cNvPicPr>
+          <p:nvPr/>
+        </p:nvPicPr>
+        <p:blipFill>
+          <a:blip r:embed="rId2"/>
+          <a:stretch>
+            <a:fillRect/>
+          </a:stretch>
+        </p:blipFill>
+        <p:spPr>
+          <a:xfrm>
+            <a:off x="5809128" y="1236121"/>
+            <a:ext cx="6061251" cy="5505337"/>
+          </a:xfrm>
+          <a:prstGeom prst="rect">
+            <a:avLst/>
+          </a:prstGeom>
+        </p:spPr>
+      </p:pic>
+    </p:spTree>
+    <p:extLst>
+      <p:ext uri="{BB962C8B-B14F-4D97-AF65-F5344CB8AC3E}">
+        <p14:creationId xmlns:p14="http://schemas.microsoft.com/office/powerpoint/2010/main" val="3411400873"/>
+      </p:ext>
+    </p:extLst>
+  </p:cSld>
+  <p:clrMapOvr>
+    <a:masterClrMapping/>
+  </p:clrMapOvr>
+</p:sld>
+</file>
+
+<file path=ppt/slides/slide9.xml><?xml version="1.0" encoding="utf-8"?>
+<p:sld xmlns:a="http://schemas.openxmlformats.org/drawingml/2006/main" xmlns:r="http://schemas.openxmlformats.org/officeDocument/2006/relationships" xmlns:p="http://schemas.openxmlformats.org/presentationml/2006/main">
+  <p:cSld>
+    <p:spTree>
+      <p:nvGrpSpPr>
+        <p:cNvPr id="1" name=""/>
+        <p:cNvGrpSpPr/>
+        <p:nvPr/>
+      </p:nvGrpSpPr>
+      <p:grpSpPr>
+        <a:xfrm>
+          <a:off x="0" y="0"/>
+          <a:ext cx="0" cy="0"/>
+          <a:chOff x="0" y="0"/>
+          <a:chExt cx="0" cy="0"/>
+        </a:xfrm>
+      </p:grpSpPr>
+      <p:sp>
+        <p:nvSpPr>
+          <p:cNvPr id="2" name="Заголовок 1">
+            <a:extLst>
+              <a:ext uri="{FF2B5EF4-FFF2-40B4-BE49-F238E27FC236}">
+                <a16:creationId xmlns:a16="http://schemas.microsoft.com/office/drawing/2014/main" id="{F7076E1E-B7E2-4779-AAF8-8243B734581F}"/>
+              </a:ext>
+            </a:extLst>
+          </p:cNvPr>
+          <p:cNvSpPr>
+            <a:spLocks noGrp="1"/>
+          </p:cNvSpPr>
+          <p:nvPr>
+            <p:ph type="title"/>
+          </p:nvPr>
+        </p:nvSpPr>
+        <p:spPr/>
+        <p:txBody>
+          <a:bodyPr/>
+          <a:lstStyle/>
+          <a:p>
+            <a:r>
+              <a:rPr lang="ru-RU" dirty="0"/>
+              <a:t>Математика</a:t>
+            </a:r>
+          </a:p>
+        </p:txBody>
+      </p:sp>
+      <p:sp>
+        <p:nvSpPr>
+          <p:cNvPr id="3" name="Объект 2">
+            <a:extLst>
+              <a:ext uri="{FF2B5EF4-FFF2-40B4-BE49-F238E27FC236}">
+                <a16:creationId xmlns:a16="http://schemas.microsoft.com/office/drawing/2014/main" id="{3447C6A0-3A2E-4825-BFF4-34BB7B1C9437}"/>
+              </a:ext>
+            </a:extLst>
+          </p:cNvPr>
+          <p:cNvSpPr>
+            <a:spLocks noGrp="1"/>
+          </p:cNvSpPr>
+          <p:nvPr>
+            <p:ph idx="1"/>
+          </p:nvPr>
+        </p:nvSpPr>
+        <p:spPr>
+          <a:xfrm>
+            <a:off x="838200" y="1825625"/>
+            <a:ext cx="5051612" cy="4351338"/>
+          </a:xfrm>
+        </p:spPr>
+        <p:txBody>
+          <a:bodyPr>
+            <a:normAutofit lnSpcReduction="10000"/>
+          </a:bodyPr>
+          <a:lstStyle/>
+          <a:p>
+            <a:pPr marL="0" indent="0">
+              <a:buNone/>
+            </a:pPr>
+            <a:r>
+              <a:rPr lang="ru-RU" dirty="0"/>
+              <a:t>На этом экране функций больше всего, поэтому затрону только самые непростые</a:t>
+            </a:r>
+            <a:r>
+              <a:rPr lang="en-US" dirty="0"/>
+              <a:t>:</a:t>
+            </a:r>
+          </a:p>
+          <a:p>
+            <a:pPr marL="0" indent="0">
+              <a:buNone/>
+            </a:pPr>
+            <a:r>
+              <a:rPr lang="ru-RU" dirty="0"/>
+              <a:t>Сверху функция, строящая </a:t>
+            </a:r>
+            <a:r>
+              <a:rPr lang="ru-RU" b="1" u="sng" dirty="0"/>
+              <a:t>простые</a:t>
+            </a:r>
+            <a:r>
+              <a:rPr lang="ru-RU" dirty="0"/>
+              <a:t> графики, при создании сложных может быть ошибка</a:t>
+            </a:r>
+          </a:p>
+          <a:p>
+            <a:pPr marL="0" indent="0">
+              <a:buNone/>
+            </a:pPr>
+            <a:r>
+              <a:rPr lang="ru-RU" dirty="0"/>
+              <a:t>Ниже в колонне с уравнениями, в первом случае нужно вводить уравнение, а в остальных – </a:t>
+            </a:r>
+            <a:r>
+              <a:rPr lang="ru-RU" dirty="0" err="1"/>
+              <a:t>коефиценты</a:t>
+            </a:r>
+            <a:endParaRPr lang="ru-RU" dirty="0"/>
+          </a:p>
+        </p:txBody>
+      </p:sp>
+      <p:pic>
+        <p:nvPicPr>
+          <p:cNvPr id="5" name="Рисунок 4">
+            <a:extLst>
+              <a:ext uri="{FF2B5EF4-FFF2-40B4-BE49-F238E27FC236}">
+                <a16:creationId xmlns:a16="http://schemas.microsoft.com/office/drawing/2014/main" id="{7339BA12-6491-4248-9901-BB1D7CF70005}"/>
+              </a:ext>
+            </a:extLst>
+          </p:cNvPr>
+          <p:cNvPicPr>
+            <a:picLocks noChangeAspect="1"/>
+          </p:cNvPicPr>
+          <p:nvPr/>
+        </p:nvPicPr>
+        <p:blipFill>
+          <a:blip r:embed="rId2"/>
+          <a:stretch>
+            <a:fillRect/>
+          </a:stretch>
+        </p:blipFill>
+        <p:spPr>
+          <a:xfrm>
+            <a:off x="6418728" y="1123838"/>
+            <a:ext cx="5215767" cy="5053125"/>
+          </a:xfrm>
+          <a:prstGeom prst="rect">
+            <a:avLst/>
+          </a:prstGeom>
+        </p:spPr>
+      </p:pic>
+    </p:spTree>
+    <p:extLst>
+      <p:ext uri="{BB962C8B-B14F-4D97-AF65-F5344CB8AC3E}">
+        <p14:creationId xmlns:p14="http://schemas.microsoft.com/office/powerpoint/2010/main" val="421317884"/>
       </p:ext>
     </p:extLst>
   </p:cSld>
@@ -4380,4 +5461,299 @@
     </a:ext>
   </a:extLst>
 </a:theme>
+</file>
+
+<file path=ppt/theme/theme2.xml><?xml version="1.0" encoding="utf-8"?>
+<a:theme xmlns:a="http://schemas.openxmlformats.org/drawingml/2006/main" name="Тема Office">
+  <a:themeElements>
+    <a:clrScheme name="Стандартная">
+      <a:dk1>
+        <a:sysClr val="windowText" lastClr="000000"/>
+      </a:dk1>
+      <a:lt1>
+        <a:sysClr val="window" lastClr="FFFFFF"/>
+      </a:lt1>
+      <a:dk2>
+        <a:srgbClr val="44546A"/>
+      </a:dk2>
+      <a:lt2>
+        <a:srgbClr val="E7E6E6"/>
+      </a:lt2>
+      <a:accent1>
+        <a:srgbClr val="4472C4"/>
+      </a:accent1>
+      <a:accent2>
+        <a:srgbClr val="ED7D31"/>
+      </a:accent2>
+      <a:accent3>
+        <a:srgbClr val="A5A5A5"/>
+      </a:accent3>
+      <a:accent4>
+        <a:srgbClr val="FFC000"/>
+      </a:accent4>
+      <a:accent5>
+        <a:srgbClr val="5B9BD5"/>
+      </a:accent5>
+      <a:accent6>
+        <a:srgbClr val="70AD47"/>
+      </a:accent6>
+      <a:hlink>
+        <a:srgbClr val="0563C1"/>
+      </a:hlink>
+      <a:folHlink>
+        <a:srgbClr val="954F72"/>
+      </a:folHlink>
+    </a:clrScheme>
+    <a:fontScheme name="Стандартная">
+      <a:majorFont>
+        <a:latin typeface="Calibri Light" panose="020F0302020204030204"/>
+        <a:ea typeface=""/>
+        <a:cs typeface=""/>
+        <a:font script="Jpan" typeface="游ゴシック Light"/>
+        <a:font script="Hang" typeface="맑은 고딕"/>
+        <a:font script="Hans" typeface="等线 Light"/>
+        <a:font script="Hant" typeface="新細明體"/>
+        <a:font script="Arab" typeface="Times New Roman"/>
+        <a:font script="Hebr" typeface="Times New Roman"/>
+        <a:font script="Thai" typeface="Angsana New"/>
+        <a:font script="Ethi" typeface="Nyala"/>
+        <a:font script="Beng" typeface="Vrinda"/>
+        <a:font script="Gujr" typeface="Shruti"/>
+        <a:font script="Khmr" typeface="MoolBoran"/>
+        <a:font script="Knda" typeface="Tunga"/>
+        <a:font script="Guru" typeface="Raavi"/>
+        <a:font script="Cans" typeface="Euphemia"/>
+        <a:font script="Cher" typeface="Plantagenet Cherokee"/>
+        <a:font script="Yiii" typeface="Microsoft Yi Baiti"/>
+        <a:font script="Tibt" typeface="Microsoft Himalaya"/>
+        <a:font script="Thaa" typeface="MV Boli"/>
+        <a:font script="Deva" typeface="Mangal"/>
+        <a:font script="Telu" typeface="Gautami"/>
+        <a:font script="Taml" typeface="Latha"/>
+        <a:font script="Syrc" typeface="Estrangelo Edessa"/>
+        <a:font script="Orya" typeface="Kalinga"/>
+        <a:font script="Mlym" typeface="Kartika"/>
+        <a:font script="Laoo" typeface="DokChampa"/>
+        <a:font script="Sinh" typeface="Iskoola Pota"/>
+        <a:font script="Mong" typeface="Mongolian Baiti"/>
+        <a:font script="Viet" typeface="Times New Roman"/>
+        <a:font script="Uigh" typeface="Microsoft Uighur"/>
+        <a:font script="Geor" typeface="Sylfaen"/>
+        <a:font script="Armn" typeface="Arial"/>
+        <a:font script="Bugi" typeface="Leelawadee UI"/>
+        <a:font script="Bopo" typeface="Microsoft JhengHei"/>
+        <a:font script="Java" typeface="Javanese Text"/>
+        <a:font script="Lisu" typeface="Segoe UI"/>
+        <a:font script="Mymr" typeface="Myanmar Text"/>
+        <a:font script="Nkoo" typeface="Ebrima"/>
+        <a:font script="Olck" typeface="Nirmala UI"/>
+        <a:font script="Osma" typeface="Ebrima"/>
+        <a:font script="Phag" typeface="Phagspa"/>
+        <a:font script="Syrn" typeface="Estrangelo Edessa"/>
+        <a:font script="Syrj" typeface="Estrangelo Edessa"/>
+        <a:font script="Syre" typeface="Estrangelo Edessa"/>
+        <a:font script="Sora" typeface="Nirmala UI"/>
+        <a:font script="Tale" typeface="Microsoft Tai Le"/>
+        <a:font script="Talu" typeface="Microsoft New Tai Lue"/>
+        <a:font script="Tfng" typeface="Ebrima"/>
+      </a:majorFont>
+      <a:minorFont>
+        <a:latin typeface="Calibri" panose="020F0502020204030204"/>
+        <a:ea typeface=""/>
+        <a:cs typeface=""/>
+        <a:font script="Jpan" typeface="游ゴシック"/>
+        <a:font script="Hang" typeface="맑은 고딕"/>
+        <a:font script="Hans" typeface="等线"/>
+        <a:font script="Hant" typeface="新細明體"/>
+        <a:font script="Arab" typeface="Arial"/>
+        <a:font script="Hebr" typeface="Arial"/>
+        <a:font script="Thai" typeface="Cordia New"/>
+        <a:font script="Ethi" typeface="Nyala"/>
+        <a:font script="Beng" typeface="Vrinda"/>
+        <a:font script="Gujr" typeface="Shruti"/>
+        <a:font script="Khmr" typeface="DaunPenh"/>
+        <a:font script="Knda" typeface="Tunga"/>
+        <a:font script="Guru" typeface="Raavi"/>
+        <a:font script="Cans" typeface="Euphemia"/>
+        <a:font script="Cher" typeface="Plantagenet Cherokee"/>
+        <a:font script="Yiii" typeface="Microsoft Yi Baiti"/>
+        <a:font script="Tibt" typeface="Microsoft Himalaya"/>
+        <a:font script="Thaa" typeface="MV Boli"/>
+        <a:font script="Deva" typeface="Mangal"/>
+        <a:font script="Telu" typeface="Gautami"/>
+        <a:font script="Taml" typeface="Latha"/>
+        <a:font script="Syrc" typeface="Estrangelo Edessa"/>
+        <a:font script="Orya" typeface="Kalinga"/>
+        <a:font script="Mlym" typeface="Kartika"/>
+        <a:font script="Laoo" typeface="DokChampa"/>
+        <a:font script="Sinh" typeface="Iskoola Pota"/>
+        <a:font script="Mong" typeface="Mongolian Baiti"/>
+        <a:font script="Viet" typeface="Arial"/>
+        <a:font script="Uigh" typeface="Microsoft Uighur"/>
+        <a:font script="Geor" typeface="Sylfaen"/>
+        <a:font script="Armn" typeface="Arial"/>
+        <a:font script="Bugi" typeface="Leelawadee UI"/>
+        <a:font script="Bopo" typeface="Microsoft JhengHei"/>
+        <a:font script="Java" typeface="Javanese Text"/>
+        <a:font script="Lisu" typeface="Segoe UI"/>
+        <a:font script="Mymr" typeface="Myanmar Text"/>
+        <a:font script="Nkoo" typeface="Ebrima"/>
+        <a:font script="Olck" typeface="Nirmala UI"/>
+        <a:font script="Osma" typeface="Ebrima"/>
+        <a:font script="Phag" typeface="Phagspa"/>
+        <a:font script="Syrn" typeface="Estrangelo Edessa"/>
+        <a:font script="Syrj" typeface="Estrangelo Edessa"/>
+        <a:font script="Syre" typeface="Estrangelo Edessa"/>
+        <a:font script="Sora" typeface="Nirmala UI"/>
+        <a:font script="Tale" typeface="Microsoft Tai Le"/>
+        <a:font script="Talu" typeface="Microsoft New Tai Lue"/>
+        <a:font script="Tfng" typeface="Ebrima"/>
+      </a:minorFont>
+    </a:fontScheme>
+    <a:fmtScheme name="Стандартная">
+      <a:fillStyleLst>
+        <a:solidFill>
+          <a:schemeClr val="phClr"/>
+        </a:solidFill>
+        <a:gradFill rotWithShape="1">
+          <a:gsLst>
+            <a:gs pos="0">
+              <a:schemeClr val="phClr">
+                <a:lumMod val="110000"/>
+                <a:satMod val="105000"/>
+                <a:tint val="67000"/>
+              </a:schemeClr>
+            </a:gs>
+            <a:gs pos="50000">
+              <a:schemeClr val="phClr">
+                <a:lumMod val="105000"/>
+                <a:satMod val="103000"/>
+                <a:tint val="73000"/>
+              </a:schemeClr>
+            </a:gs>
+            <a:gs pos="100000">
+              <a:schemeClr val="phClr">
+                <a:lumMod val="105000"/>
+                <a:satMod val="109000"/>
+                <a:tint val="81000"/>
+              </a:schemeClr>
+            </a:gs>
+          </a:gsLst>
+          <a:lin ang="5400000" scaled="0"/>
+        </a:gradFill>
+        <a:gradFill rotWithShape="1">
+          <a:gsLst>
+            <a:gs pos="0">
+              <a:schemeClr val="phClr">
+                <a:satMod val="103000"/>
+                <a:lumMod val="102000"/>
+                <a:tint val="94000"/>
+              </a:schemeClr>
+            </a:gs>
+            <a:gs pos="50000">
+              <a:schemeClr val="phClr">
+                <a:satMod val="110000"/>
+                <a:lumMod val="100000"/>
+                <a:shade val="100000"/>
+              </a:schemeClr>
+            </a:gs>
+            <a:gs pos="100000">
+              <a:schemeClr val="phClr">
+                <a:lumMod val="99000"/>
+                <a:satMod val="120000"/>
+                <a:shade val="78000"/>
+              </a:schemeClr>
+            </a:gs>
+          </a:gsLst>
+          <a:lin ang="5400000" scaled="0"/>
+        </a:gradFill>
+      </a:fillStyleLst>
+      <a:lnStyleLst>
+        <a:ln w="6350" cap="flat" cmpd="sng" algn="ctr">
+          <a:solidFill>
+            <a:schemeClr val="phClr"/>
+          </a:solidFill>
+          <a:prstDash val="solid"/>
+          <a:miter lim="800000"/>
+        </a:ln>
+        <a:ln w="12700" cap="flat" cmpd="sng" algn="ctr">
+          <a:solidFill>
+            <a:schemeClr val="phClr"/>
+          </a:solidFill>
+          <a:prstDash val="solid"/>
+          <a:miter lim="800000"/>
+        </a:ln>
+        <a:ln w="19050" cap="flat" cmpd="sng" algn="ctr">
+          <a:solidFill>
+            <a:schemeClr val="phClr"/>
+          </a:solidFill>
+          <a:prstDash val="solid"/>
+          <a:miter lim="800000"/>
+        </a:ln>
+      </a:lnStyleLst>
+      <a:effectStyleLst>
+        <a:effectStyle>
+          <a:effectLst/>
+        </a:effectStyle>
+        <a:effectStyle>
+          <a:effectLst/>
+        </a:effectStyle>
+        <a:effectStyle>
+          <a:effectLst>
+            <a:outerShdw blurRad="57150" dist="19050" dir="5400000" algn="ctr" rotWithShape="0">
+              <a:srgbClr val="000000">
+                <a:alpha val="63000"/>
+              </a:srgbClr>
+            </a:outerShdw>
+          </a:effectLst>
+        </a:effectStyle>
+      </a:effectStyleLst>
+      <a:bgFillStyleLst>
+        <a:solidFill>
+          <a:schemeClr val="phClr"/>
+        </a:solidFill>
+        <a:solidFill>
+          <a:schemeClr val="phClr">
+            <a:tint val="95000"/>
+            <a:satMod val="170000"/>
+          </a:schemeClr>
+        </a:solidFill>
+        <a:gradFill rotWithShape="1">
+          <a:gsLst>
+            <a:gs pos="0">
+              <a:schemeClr val="phClr">
+                <a:tint val="93000"/>
+                <a:satMod val="150000"/>
+                <a:shade val="98000"/>
+                <a:lumMod val="102000"/>
+              </a:schemeClr>
+            </a:gs>
+            <a:gs pos="50000">
+              <a:schemeClr val="phClr">
+                <a:tint val="98000"/>
+                <a:satMod val="130000"/>
+                <a:shade val="90000"/>
+                <a:lumMod val="103000"/>
+              </a:schemeClr>
+            </a:gs>
+            <a:gs pos="100000">
+              <a:schemeClr val="phClr">
+                <a:shade val="63000"/>
+                <a:satMod val="120000"/>
+              </a:schemeClr>
+            </a:gs>
+          </a:gsLst>
+          <a:lin ang="5400000" scaled="0"/>
+        </a:gradFill>
+      </a:bgFillStyleLst>
+    </a:fmtScheme>
+  </a:themeElements>
+  <a:objectDefaults/>
+  <a:extraClrSchemeLst/>
+  <a:extLst>
+    <a:ext uri="{05A4C25C-085E-4340-85A3-A5531E510DB2}">
+      <thm15:themeFamily xmlns:thm15="http://schemas.microsoft.com/office/thememl/2012/main" name="Office Theme" id="{62F939B6-93AF-4DB8-9C6B-D6C7DFDC589F}" vid="{4A3C46E8-61CC-4603-A589-7422A47A8E4A}"/>
+    </a:ext>
+  </a:extLst>
+</a:theme>
 </file>